--- a/2019系统仿真-6-因果分析.pptx
+++ b/2019系统仿真-6-因果分析.pptx
@@ -16481,7 +16481,7 @@
           <a:graphicData uri="http://schemas.openxmlformats.org/presentationml/2006/ole">
             <mc:AlternateContent xmlns:mc="http://schemas.openxmlformats.org/markup-compatibility/2006">
               <mc:Choice xmlns:v="urn:schemas-microsoft-com:vml" Requires="v">
-                <p:oleObj spid="_x0000_s3122" name="Visio" r:id="rId3" imgW="3619565" imgH="1531656" progId="Visio.Drawing.11">
+                <p:oleObj spid="_x0000_s3125" name="Visio" r:id="rId3" imgW="3619565" imgH="1531656" progId="Visio.Drawing.11">
                   <p:embed/>
                 </p:oleObj>
               </mc:Choice>
@@ -16791,7 +16791,7 @@
           <a:graphicData uri="http://schemas.openxmlformats.org/presentationml/2006/ole">
             <mc:AlternateContent xmlns:mc="http://schemas.openxmlformats.org/markup-compatibility/2006">
               <mc:Choice xmlns:v="urn:schemas-microsoft-com:vml" Requires="v">
-                <p:oleObj spid="_x0000_s4143" name="Visio" r:id="rId3" imgW="2917698" imgH="1477670" progId="Visio.Drawing.11">
+                <p:oleObj spid="_x0000_s4146" name="Visio" r:id="rId3" imgW="2917698" imgH="1477670" progId="Visio.Drawing.11">
                   <p:embed/>
                 </p:oleObj>
               </mc:Choice>
@@ -17868,7 +17868,26 @@
             <a:pPr lvl="1"/>
             <a:r>
               <a:rPr lang="zh-CN" altLang="en-US"/>
-              <a:t>估算回路的开环增益是增强型还是平衡型</a:t>
+              <a:t>估算</a:t>
+            </a:r>
+            <a:r>
+              <a:rPr lang="zh-CN" altLang="en-US" smtClean="0"/>
+              <a:t>回路</a:t>
+            </a:r>
+            <a:r>
+              <a:rPr lang="zh-CN" altLang="en-US"/>
+              <a:t>的开环增益是增强型还是平衡</a:t>
+            </a:r>
+            <a:r>
+              <a:rPr lang="zh-CN" altLang="en-US" smtClean="0"/>
+              <a:t>型</a:t>
+            </a:r>
+            <a:endParaRPr lang="en-US" altLang="zh-CN" smtClean="0"/>
+          </a:p>
+          <a:p>
+            <a:r>
+              <a:rPr lang="zh-CN" altLang="en-US" smtClean="0"/>
+              <a:t>数负因果链数量</a:t>
             </a:r>
             <a:endParaRPr lang="en-US" altLang="zh-CN"/>
           </a:p>
@@ -19117,7 +19136,7 @@
           <a:graphicData uri="http://schemas.openxmlformats.org/presentationml/2006/ole">
             <mc:AlternateContent xmlns:mc="http://schemas.openxmlformats.org/markup-compatibility/2006">
               <mc:Choice xmlns:v="urn:schemas-microsoft-com:vml" Requires="v">
-                <p:oleObj spid="_x0000_s1074" name="Visio" r:id="rId3" imgW="1978533" imgH="790854" progId="Visio.Drawing.11">
+                <p:oleObj spid="_x0000_s1077" name="Visio" r:id="rId3" imgW="1978533" imgH="790854" progId="Visio.Drawing.11">
                   <p:embed/>
                 </p:oleObj>
               </mc:Choice>
@@ -20434,7 +20453,7 @@
           <a:graphicData uri="http://schemas.openxmlformats.org/presentationml/2006/ole">
             <mc:AlternateContent xmlns:mc="http://schemas.openxmlformats.org/markup-compatibility/2006">
               <mc:Choice xmlns:v="urn:schemas-microsoft-com:vml" Requires="v">
-                <p:oleObj spid="_x0000_s2099" name="Visio" r:id="rId3" imgW="1978533" imgH="803046" progId="Visio.Drawing.11">
+                <p:oleObj spid="_x0000_s2102" name="Visio" r:id="rId3" imgW="1978533" imgH="803046" progId="Visio.Drawing.11">
                   <p:embed/>
                 </p:oleObj>
               </mc:Choice>
@@ -20919,13 +20938,13 @@
   <p:clrMapOvr>
     <a:masterClrMapping/>
   </p:clrMapOvr>
-  <mc:AlternateContent xmlns:mc="http://schemas.openxmlformats.org/markup-compatibility/2006">
-    <mc:Choice xmlns:p14="http://schemas.microsoft.com/office/powerpoint/2010/main" Requires="p14">
+  <mc:AlternateContent xmlns:mc="http://schemas.openxmlformats.org/markup-compatibility/2006" xmlns:p14="http://schemas.microsoft.com/office/powerpoint/2010/main">
+    <mc:Choice Requires="p14">
       <p:transition spd="med" p14:dur="700">
         <p:fade/>
       </p:transition>
     </mc:Choice>
-    <mc:Fallback>
+    <mc:Fallback xmlns="">
       <p:transition spd="med">
         <p:fade/>
       </p:transition>
@@ -21930,35 +21949,29 @@
 
 <file path=customXml/item1.xml><?xml version="1.0" encoding="utf-8"?>
 <Control xmlns="http://schemas.microsoft.com/VisualStudio/2011/storyboarding/control">
-  <Id Name="System.Storyboarding.Annotation.StickyNote" Revision="1" Stencil="System.Storyboarding.Annotation" StencilVersion="0.1"/>
+  <Id Name="System.Storyboarding.Common.DragSelection" Revision="1" Stencil="System.Storyboarding.Common" StencilVersion="0.1"/>
 </Control>
 </file>
 
 <file path=customXml/item2.xml><?xml version="1.0" encoding="utf-8"?>
 <Control xmlns="http://schemas.microsoft.com/VisualStudio/2011/storyboarding/control">
-  <Id Name="System.Storyboarding.WindowsApps.WindowsAppsProgressRing" Revision="1" Stencil="System.Storyboarding.WindowsApps" StencilVersion="0.1"/>
+  <Id Name="System.Storyboarding.Common.TextInput" Revision="1" Stencil="System.Storyboarding.Common" StencilVersion="0.1"/>
 </Control>
 </file>
 
 <file path=customXml/item3.xml><?xml version="1.0" encoding="utf-8"?>
 <Control xmlns="http://schemas.microsoft.com/VisualStudio/2011/storyboarding/control">
-  <Id Name="System.Storyboarding.Common.DragSelection" Revision="1" Stencil="System.Storyboarding.Common" StencilVersion="0.1"/>
+  <Id Name="System.Storyboarding.WindowsApps.WindowsAppsProgressRing" Revision="1" Stencil="System.Storyboarding.WindowsApps" StencilVersion="0.1"/>
 </Control>
 </file>
 
 <file path=customXml/item4.xml><?xml version="1.0" encoding="utf-8"?>
 <Control xmlns="http://schemas.microsoft.com/VisualStudio/2011/storyboarding/control">
-  <Id Name="5e505f8e-b0aa-429a-bb4c-92ab0e8a8ee6" RevisionId="d2083f08-ba4f-4330-87aa-e4d23a4443d7" Stencil="172d6d98-e5c9-42e9-a209-79f7a94bbd38" StencilRevisionId="00000000-0000-0000-0000-000000000000" StencilVersion="0.0"/>
+  <Id Name="System.Storyboarding.Annotation.StickyNote" Revision="1" Stencil="System.Storyboarding.Annotation" StencilVersion="0.1"/>
 </Control>
 </file>
 
 <file path=customXml/item5.xml><?xml version="1.0" encoding="utf-8"?>
-<Control xmlns="http://schemas.microsoft.com/VisualStudio/2011/storyboarding/control">
-  <Id Name="System.Storyboarding.WindowsApps.WindowsAppsListBox" Revision="1" Stencil="System.Storyboarding.WindowsApps" StencilVersion="0.1"/>
-</Control>
-</file>
-
-<file path=customXml/item6.xml><?xml version="1.0" encoding="utf-8"?>
 <p:properties xmlns:p="http://schemas.microsoft.com/office/2006/metadata/properties" xmlns:xsi="http://www.w3.org/2001/XMLSchema-instance" xmlns:pc="http://schemas.microsoft.com/office/infopath/2007/PartnerControls">
   <documentManagement>
     <_dlc_DocId xmlns="b4ebf394-daf6-497a-96c5-a2f8c10b38cf">TT6HZDVJM2HV-178-321</_dlc_DocId>
@@ -21970,13 +21983,43 @@
 </p:properties>
 </file>
 
+<file path=customXml/item6.xml><?xml version="1.0" encoding="utf-8"?>
+<Control xmlns="http://schemas.microsoft.com/VisualStudio/2011/storyboarding/control">
+  <Id Name="System.Storyboarding.WindowsApps.WindowsAppsListBox" Revision="1" Stencil="System.Storyboarding.WindowsApps" StencilVersion="0.1"/>
+</Control>
+</file>
+
 <file path=customXml/item7.xml><?xml version="1.0" encoding="utf-8"?>
 <Control xmlns="http://schemas.microsoft.com/VisualStudio/2011/storyboarding/control">
-  <Id Name="System.Storyboarding.Common.TextInput" Revision="1" Stencil="System.Storyboarding.Common" StencilVersion="0.1"/>
+  <Id Name="5e505f8e-b0aa-429a-bb4c-92ab0e8a8ee6" RevisionId="d2083f08-ba4f-4330-87aa-e4d23a4443d7" Stencil="172d6d98-e5c9-42e9-a209-79f7a94bbd38" StencilRevisionId="00000000-0000-0000-0000-000000000000" StencilVersion="0.0"/>
 </Control>
 </file>
 
 <file path=customXml/itemProps1.xml><?xml version="1.0" encoding="utf-8"?>
+<ds:datastoreItem xmlns:ds="http://schemas.openxmlformats.org/officeDocument/2006/customXml" ds:itemID="{74F50758-6994-47AF-ADB4-84074E43B95D}">
+  <ds:schemaRefs>
+    <ds:schemaRef ds:uri="http://schemas.microsoft.com/VisualStudio/2011/storyboarding/control"/>
+  </ds:schemaRefs>
+</ds:datastoreItem>
+</file>
+
+<file path=customXml/itemProps2.xml><?xml version="1.0" encoding="utf-8"?>
+<ds:datastoreItem xmlns:ds="http://schemas.openxmlformats.org/officeDocument/2006/customXml" ds:itemID="{195C3A57-25C5-4CAC-A396-8711CE839175}">
+  <ds:schemaRefs>
+    <ds:schemaRef ds:uri="http://schemas.microsoft.com/VisualStudio/2011/storyboarding/control"/>
+  </ds:schemaRefs>
+</ds:datastoreItem>
+</file>
+
+<file path=customXml/itemProps3.xml><?xml version="1.0" encoding="utf-8"?>
+<ds:datastoreItem xmlns:ds="http://schemas.openxmlformats.org/officeDocument/2006/customXml" ds:itemID="{EE994FE8-9D1B-4C75-9803-F4D3D8088B5B}">
+  <ds:schemaRefs>
+    <ds:schemaRef ds:uri="http://schemas.microsoft.com/VisualStudio/2011/storyboarding/control"/>
+  </ds:schemaRefs>
+</ds:datastoreItem>
+</file>
+
+<file path=customXml/itemProps4.xml><?xml version="1.0" encoding="utf-8"?>
 <ds:datastoreItem xmlns:ds="http://schemas.openxmlformats.org/officeDocument/2006/customXml" ds:itemID="{35CD12A2-2187-402A-B9D9-EF68624DB0B9}">
   <ds:schemaRefs>
     <ds:schemaRef ds:uri="http://schemas.microsoft.com/VisualStudio/2011/storyboarding/control"/>
@@ -21984,39 +22027,7 @@
 </ds:datastoreItem>
 </file>
 
-<file path=customXml/itemProps2.xml><?xml version="1.0" encoding="utf-8"?>
-<ds:datastoreItem xmlns:ds="http://schemas.openxmlformats.org/officeDocument/2006/customXml" ds:itemID="{EE994FE8-9D1B-4C75-9803-F4D3D8088B5B}">
-  <ds:schemaRefs>
-    <ds:schemaRef ds:uri="http://schemas.microsoft.com/VisualStudio/2011/storyboarding/control"/>
-  </ds:schemaRefs>
-</ds:datastoreItem>
-</file>
-
-<file path=customXml/itemProps3.xml><?xml version="1.0" encoding="utf-8"?>
-<ds:datastoreItem xmlns:ds="http://schemas.openxmlformats.org/officeDocument/2006/customXml" ds:itemID="{74F50758-6994-47AF-ADB4-84074E43B95D}">
-  <ds:schemaRefs>
-    <ds:schemaRef ds:uri="http://schemas.microsoft.com/VisualStudio/2011/storyboarding/control"/>
-  </ds:schemaRefs>
-</ds:datastoreItem>
-</file>
-
-<file path=customXml/itemProps4.xml><?xml version="1.0" encoding="utf-8"?>
-<ds:datastoreItem xmlns:ds="http://schemas.openxmlformats.org/officeDocument/2006/customXml" ds:itemID="{22271091-DDCE-44B5-B608-BB96BCA0C299}">
-  <ds:schemaRefs>
-    <ds:schemaRef ds:uri="http://schemas.microsoft.com/VisualStudio/2011/storyboarding/control"/>
-  </ds:schemaRefs>
-</ds:datastoreItem>
-</file>
-
 <file path=customXml/itemProps5.xml><?xml version="1.0" encoding="utf-8"?>
-<ds:datastoreItem xmlns:ds="http://schemas.openxmlformats.org/officeDocument/2006/customXml" ds:itemID="{925928FA-66B2-4992-9AF7-6AAB34665E06}">
-  <ds:schemaRefs>
-    <ds:schemaRef ds:uri="http://schemas.microsoft.com/VisualStudio/2011/storyboarding/control"/>
-  </ds:schemaRefs>
-</ds:datastoreItem>
-</file>
-
-<file path=customXml/itemProps6.xml><?xml version="1.0" encoding="utf-8"?>
 <ds:datastoreItem xmlns:ds="http://schemas.openxmlformats.org/officeDocument/2006/customXml" ds:itemID="{1322E1B6-B69B-4B1E-9F64-FFB1E4A65691}">
   <ds:schemaRefs>
     <ds:schemaRef ds:uri="http://schemas.microsoft.com/office/2006/metadata/properties"/>
@@ -22026,8 +22037,16 @@
 </ds:datastoreItem>
 </file>
 
+<file path=customXml/itemProps6.xml><?xml version="1.0" encoding="utf-8"?>
+<ds:datastoreItem xmlns:ds="http://schemas.openxmlformats.org/officeDocument/2006/customXml" ds:itemID="{925928FA-66B2-4992-9AF7-6AAB34665E06}">
+  <ds:schemaRefs>
+    <ds:schemaRef ds:uri="http://schemas.microsoft.com/VisualStudio/2011/storyboarding/control"/>
+  </ds:schemaRefs>
+</ds:datastoreItem>
+</file>
+
 <file path=customXml/itemProps7.xml><?xml version="1.0" encoding="utf-8"?>
-<ds:datastoreItem xmlns:ds="http://schemas.openxmlformats.org/officeDocument/2006/customXml" ds:itemID="{195C3A57-25C5-4CAC-A396-8711CE839175}">
+<ds:datastoreItem xmlns:ds="http://schemas.openxmlformats.org/officeDocument/2006/customXml" ds:itemID="{22271091-DDCE-44B5-B608-BB96BCA0C299}">
   <ds:schemaRefs>
     <ds:schemaRef ds:uri="http://schemas.microsoft.com/VisualStudio/2011/storyboarding/control"/>
   </ds:schemaRefs>

--- a/2019系统仿真-6-因果分析.pptx
+++ b/2019系统仿真-6-因果分析.pptx
@@ -1903,13 +1903,6 @@
         </dgm:presLayoutVars>
       </dgm:prSet>
       <dgm:spPr/>
-      <dgm:t>
-        <a:bodyPr/>
-        <a:lstStyle/>
-        <a:p>
-          <a:endParaRPr lang="zh-CN" altLang="en-US"/>
-        </a:p>
-      </dgm:t>
     </dgm:pt>
     <dgm:pt modelId="{C65CB71D-F852-40CE-BF3E-4DDCEFFA9811}" type="pres">
       <dgm:prSet presAssocID="{EF9D6E70-E02F-4A23-909F-87354DEB1689}" presName="parent_text_1" presStyleLbl="revTx" presStyleIdx="0" presStyleCnt="3">
@@ -1920,13 +1913,6 @@
         </dgm:presLayoutVars>
       </dgm:prSet>
       <dgm:spPr/>
-      <dgm:t>
-        <a:bodyPr/>
-        <a:lstStyle/>
-        <a:p>
-          <a:endParaRPr lang="zh-CN" altLang="en-US"/>
-        </a:p>
-      </dgm:t>
     </dgm:pt>
     <dgm:pt modelId="{18E82219-E505-4A21-A8A4-E45E1186A062}" type="pres">
       <dgm:prSet presAssocID="{EF9D6E70-E02F-4A23-909F-87354DEB1689}" presName="image_accent_1" presStyleCnt="0"/>
@@ -1947,13 +1933,6 @@
     <dgm:pt modelId="{69FDC4A7-83C0-4E9D-9AF7-55D65CB71492}" type="pres">
       <dgm:prSet presAssocID="{D262E861-FCE1-4BE1-8663-0E48B4DB9C01}" presName="imageRepeatNode" presStyleLbl="fgImgPlace1" presStyleIdx="0" presStyleCnt="3"/>
       <dgm:spPr/>
-      <dgm:t>
-        <a:bodyPr/>
-        <a:lstStyle/>
-        <a:p>
-          <a:endParaRPr lang="zh-CN" altLang="en-US"/>
-        </a:p>
-      </dgm:t>
     </dgm:pt>
     <dgm:pt modelId="{0A567AE9-9B8F-4552-B67B-EDFD148CE2D8}" type="pres">
       <dgm:prSet presAssocID="{B0E48763-FDE2-4B17-B0E6-85FE8191ED1A}" presName="parent_text_2" presStyleLbl="revTx" presStyleIdx="1" presStyleCnt="3">
@@ -1964,13 +1943,6 @@
         </dgm:presLayoutVars>
       </dgm:prSet>
       <dgm:spPr/>
-      <dgm:t>
-        <a:bodyPr/>
-        <a:lstStyle/>
-        <a:p>
-          <a:endParaRPr lang="zh-CN" altLang="en-US"/>
-        </a:p>
-      </dgm:t>
     </dgm:pt>
     <dgm:pt modelId="{62875BBD-DC3C-4A69-902F-1FB89B661B4A}" type="pres">
       <dgm:prSet presAssocID="{B0E48763-FDE2-4B17-B0E6-85FE8191ED1A}" presName="image_accent_2" presStyleCnt="0"/>
@@ -1987,13 +1959,6 @@
     <dgm:pt modelId="{132ED547-48B8-4285-9145-8947DC7A0FB2}" type="pres">
       <dgm:prSet presAssocID="{11A1B196-475E-4817-ADB1-043AD622BE1A}" presName="imageRepeatNode" presStyleLbl="fgImgPlace1" presStyleIdx="1" presStyleCnt="3"/>
       <dgm:spPr/>
-      <dgm:t>
-        <a:bodyPr/>
-        <a:lstStyle/>
-        <a:p>
-          <a:endParaRPr lang="zh-CN" altLang="en-US"/>
-        </a:p>
-      </dgm:t>
     </dgm:pt>
     <dgm:pt modelId="{596DC9F9-7495-42A4-A26C-A446035E77A1}" type="pres">
       <dgm:prSet presAssocID="{80AACFA9-616D-430D-BF73-49E1E3A5EC79}" presName="image_accent_3" presStyleCnt="0"/>
@@ -2012,13 +1977,6 @@
         </dgm:presLayoutVars>
       </dgm:prSet>
       <dgm:spPr/>
-      <dgm:t>
-        <a:bodyPr/>
-        <a:lstStyle/>
-        <a:p>
-          <a:endParaRPr lang="zh-CN" altLang="en-US"/>
-        </a:p>
-      </dgm:t>
     </dgm:pt>
     <dgm:pt modelId="{1473F8C2-DBA3-4791-A426-ED19024643FB}" type="pres">
       <dgm:prSet presAssocID="{80AACFA9-616D-430D-BF73-49E1E3A5EC79}" presName="accent_2" presStyleLbl="alignNode1" presStyleIdx="4" presStyleCnt="6"/>
@@ -2035,26 +1993,19 @@
     <dgm:pt modelId="{A4BE4396-4EDE-4B1E-AD51-47CD164345C4}" type="pres">
       <dgm:prSet presAssocID="{1B7CEF9E-2D19-4C36-B2F6-A992F7452376}" presName="imageRepeatNode" presStyleLbl="fgImgPlace1" presStyleIdx="2" presStyleCnt="3"/>
       <dgm:spPr/>
-      <dgm:t>
-        <a:bodyPr/>
-        <a:lstStyle/>
-        <a:p>
-          <a:endParaRPr lang="zh-CN" altLang="en-US"/>
-        </a:p>
-      </dgm:t>
     </dgm:pt>
   </dgm:ptLst>
   <dgm:cxnLst>
+    <dgm:cxn modelId="{E5A1890B-D37F-4BAE-BD22-30B0C42E8421}" srcId="{28AA6F5A-F84F-4319-A262-867ABF6AC69B}" destId="{80AACFA9-616D-430D-BF73-49E1E3A5EC79}" srcOrd="2" destOrd="0" parTransId="{9482CCA8-E321-447E-96AD-71711D1CE8B0}" sibTransId="{1B7CEF9E-2D19-4C36-B2F6-A992F7452376}"/>
+    <dgm:cxn modelId="{10CC3615-2475-4510-AAFC-7BA60261107B}" type="presOf" srcId="{11A1B196-475E-4817-ADB1-043AD622BE1A}" destId="{132ED547-48B8-4285-9145-8947DC7A0FB2}" srcOrd="0" destOrd="0" presId="urn:microsoft.com/office/officeart/2008/layout/BubblePictureList"/>
+    <dgm:cxn modelId="{A37BC03C-92DB-45F9-BBD0-9901046DD8C9}" type="presOf" srcId="{EF9D6E70-E02F-4A23-909F-87354DEB1689}" destId="{C65CB71D-F852-40CE-BF3E-4DDCEFFA9811}" srcOrd="0" destOrd="0" presId="urn:microsoft.com/office/officeart/2008/layout/BubblePictureList"/>
+    <dgm:cxn modelId="{F52F775B-BE62-4DDF-9F60-8BA38E4504EB}" type="presOf" srcId="{28AA6F5A-F84F-4319-A262-867ABF6AC69B}" destId="{17BAC9F0-5066-46B1-9D6D-54F95D2B5A08}" srcOrd="0" destOrd="0" presId="urn:microsoft.com/office/officeart/2008/layout/BubblePictureList"/>
+    <dgm:cxn modelId="{C292926A-DF9B-47E5-8232-AB92A58AE359}" type="presOf" srcId="{1B7CEF9E-2D19-4C36-B2F6-A992F7452376}" destId="{A4BE4396-4EDE-4B1E-AD51-47CD164345C4}" srcOrd="0" destOrd="0" presId="urn:microsoft.com/office/officeart/2008/layout/BubblePictureList"/>
+    <dgm:cxn modelId="{AD1FE68F-398B-4621-9A69-CDA5F63365F8}" srcId="{28AA6F5A-F84F-4319-A262-867ABF6AC69B}" destId="{B0E48763-FDE2-4B17-B0E6-85FE8191ED1A}" srcOrd="1" destOrd="0" parTransId="{4FE67D69-3062-4BB7-9B1A-814361C61253}" sibTransId="{11A1B196-475E-4817-ADB1-043AD622BE1A}"/>
     <dgm:cxn modelId="{0EC447AC-F1CB-4969-A412-E72FF03B0539}" type="presOf" srcId="{B0E48763-FDE2-4B17-B0E6-85FE8191ED1A}" destId="{0A567AE9-9B8F-4552-B67B-EDFD148CE2D8}" srcOrd="0" destOrd="0" presId="urn:microsoft.com/office/officeart/2008/layout/BubblePictureList"/>
-    <dgm:cxn modelId="{E5A1890B-D37F-4BAE-BD22-30B0C42E8421}" srcId="{28AA6F5A-F84F-4319-A262-867ABF6AC69B}" destId="{80AACFA9-616D-430D-BF73-49E1E3A5EC79}" srcOrd="2" destOrd="0" parTransId="{9482CCA8-E321-447E-96AD-71711D1CE8B0}" sibTransId="{1B7CEF9E-2D19-4C36-B2F6-A992F7452376}"/>
-    <dgm:cxn modelId="{F52F775B-BE62-4DDF-9F60-8BA38E4504EB}" type="presOf" srcId="{28AA6F5A-F84F-4319-A262-867ABF6AC69B}" destId="{17BAC9F0-5066-46B1-9D6D-54F95D2B5A08}" srcOrd="0" destOrd="0" presId="urn:microsoft.com/office/officeart/2008/layout/BubblePictureList"/>
-    <dgm:cxn modelId="{AD1FE68F-398B-4621-9A69-CDA5F63365F8}" srcId="{28AA6F5A-F84F-4319-A262-867ABF6AC69B}" destId="{B0E48763-FDE2-4B17-B0E6-85FE8191ED1A}" srcOrd="1" destOrd="0" parTransId="{4FE67D69-3062-4BB7-9B1A-814361C61253}" sibTransId="{11A1B196-475E-4817-ADB1-043AD622BE1A}"/>
-    <dgm:cxn modelId="{A37BC03C-92DB-45F9-BBD0-9901046DD8C9}" type="presOf" srcId="{EF9D6E70-E02F-4A23-909F-87354DEB1689}" destId="{C65CB71D-F852-40CE-BF3E-4DDCEFFA9811}" srcOrd="0" destOrd="0" presId="urn:microsoft.com/office/officeart/2008/layout/BubblePictureList"/>
-    <dgm:cxn modelId="{0EEA40F0-E56F-424F-8F81-EA963C2D87FD}" srcId="{28AA6F5A-F84F-4319-A262-867ABF6AC69B}" destId="{EF9D6E70-E02F-4A23-909F-87354DEB1689}" srcOrd="0" destOrd="0" parTransId="{109F4ADD-0714-44E8-9C62-7C4571F20AB2}" sibTransId="{D262E861-FCE1-4BE1-8663-0E48B4DB9C01}"/>
     <dgm:cxn modelId="{B3C910B7-5437-4D12-B701-CEDC3083966B}" type="presOf" srcId="{80AACFA9-616D-430D-BF73-49E1E3A5EC79}" destId="{144951EA-834F-4F6C-A91D-FF39E5A06CD6}" srcOrd="0" destOrd="0" presId="urn:microsoft.com/office/officeart/2008/layout/BubblePictureList"/>
     <dgm:cxn modelId="{9E22F6D2-FC82-4A81-8364-383BB96E72C2}" type="presOf" srcId="{D262E861-FCE1-4BE1-8663-0E48B4DB9C01}" destId="{69FDC4A7-83C0-4E9D-9AF7-55D65CB71492}" srcOrd="0" destOrd="0" presId="urn:microsoft.com/office/officeart/2008/layout/BubblePictureList"/>
-    <dgm:cxn modelId="{C292926A-DF9B-47E5-8232-AB92A58AE359}" type="presOf" srcId="{1B7CEF9E-2D19-4C36-B2F6-A992F7452376}" destId="{A4BE4396-4EDE-4B1E-AD51-47CD164345C4}" srcOrd="0" destOrd="0" presId="urn:microsoft.com/office/officeart/2008/layout/BubblePictureList"/>
-    <dgm:cxn modelId="{10CC3615-2475-4510-AAFC-7BA60261107B}" type="presOf" srcId="{11A1B196-475E-4817-ADB1-043AD622BE1A}" destId="{132ED547-48B8-4285-9145-8947DC7A0FB2}" srcOrd="0" destOrd="0" presId="urn:microsoft.com/office/officeart/2008/layout/BubblePictureList"/>
+    <dgm:cxn modelId="{0EEA40F0-E56F-424F-8F81-EA963C2D87FD}" srcId="{28AA6F5A-F84F-4319-A262-867ABF6AC69B}" destId="{EF9D6E70-E02F-4A23-909F-87354DEB1689}" srcOrd="0" destOrd="0" parTransId="{109F4ADD-0714-44E8-9C62-7C4571F20AB2}" sibTransId="{D262E861-FCE1-4BE1-8663-0E48B4DB9C01}"/>
     <dgm:cxn modelId="{F6079879-540C-440A-9104-D6BC5F1EDF05}" type="presParOf" srcId="{17BAC9F0-5066-46B1-9D6D-54F95D2B5A08}" destId="{C65CB71D-F852-40CE-BF3E-4DDCEFFA9811}" srcOrd="0" destOrd="0" presId="urn:microsoft.com/office/officeart/2008/layout/BubblePictureList"/>
     <dgm:cxn modelId="{E4BF263E-034C-4BB7-8B78-62B2729C1772}" type="presParOf" srcId="{17BAC9F0-5066-46B1-9D6D-54F95D2B5A08}" destId="{18E82219-E505-4A21-A8A4-E45E1186A062}" srcOrd="1" destOrd="0" presId="urn:microsoft.com/office/officeart/2008/layout/BubblePictureList"/>
     <dgm:cxn modelId="{566F4AF7-B934-40DE-8A5D-086C10E314FC}" type="presParOf" srcId="{18E82219-E505-4A21-A8A4-E45E1186A062}" destId="{499D376F-502E-4284-AD80-6A8CEB1B5700}" srcOrd="0" destOrd="0" presId="urn:microsoft.com/office/officeart/2008/layout/BubblePictureList"/>
@@ -2250,13 +2201,6 @@
         </dgm:presLayoutVars>
       </dgm:prSet>
       <dgm:spPr/>
-      <dgm:t>
-        <a:bodyPr/>
-        <a:lstStyle/>
-        <a:p>
-          <a:endParaRPr lang="zh-CN" altLang="en-US"/>
-        </a:p>
-      </dgm:t>
     </dgm:pt>
     <dgm:pt modelId="{1EC8BC0D-BD2A-4F37-B022-160194C8A62D}" type="pres">
       <dgm:prSet presAssocID="{2B2C2012-3933-4850-9732-F76FFB518FEF}" presName="comp1" presStyleCnt="0"/>
@@ -2265,13 +2209,6 @@
     <dgm:pt modelId="{81DD0A31-2D50-41F7-A78E-FDCD3ACB94FB}" type="pres">
       <dgm:prSet presAssocID="{2B2C2012-3933-4850-9732-F76FFB518FEF}" presName="circle1" presStyleLbl="node1" presStyleIdx="0" presStyleCnt="4"/>
       <dgm:spPr/>
-      <dgm:t>
-        <a:bodyPr/>
-        <a:lstStyle/>
-        <a:p>
-          <a:endParaRPr lang="zh-CN" altLang="en-US"/>
-        </a:p>
-      </dgm:t>
     </dgm:pt>
     <dgm:pt modelId="{9BF17D99-8E48-4912-8BAD-6389E8603157}" type="pres">
       <dgm:prSet presAssocID="{2B2C2012-3933-4850-9732-F76FFB518FEF}" presName="c1text" presStyleLbl="node1" presStyleIdx="0" presStyleCnt="4">
@@ -2280,13 +2217,6 @@
         </dgm:presLayoutVars>
       </dgm:prSet>
       <dgm:spPr/>
-      <dgm:t>
-        <a:bodyPr/>
-        <a:lstStyle/>
-        <a:p>
-          <a:endParaRPr lang="zh-CN" altLang="en-US"/>
-        </a:p>
-      </dgm:t>
     </dgm:pt>
     <dgm:pt modelId="{0AEA72B2-441E-467C-AF45-A68C6E9A7893}" type="pres">
       <dgm:prSet presAssocID="{2B2C2012-3933-4850-9732-F76FFB518FEF}" presName="comp2" presStyleCnt="0"/>
@@ -2295,13 +2225,6 @@
     <dgm:pt modelId="{118556B2-FF3A-4D6C-890A-3459897F6B6B}" type="pres">
       <dgm:prSet presAssocID="{2B2C2012-3933-4850-9732-F76FFB518FEF}" presName="circle2" presStyleLbl="node1" presStyleIdx="1" presStyleCnt="4"/>
       <dgm:spPr/>
-      <dgm:t>
-        <a:bodyPr/>
-        <a:lstStyle/>
-        <a:p>
-          <a:endParaRPr lang="zh-CN" altLang="en-US"/>
-        </a:p>
-      </dgm:t>
     </dgm:pt>
     <dgm:pt modelId="{4E2762F2-C611-4C91-A53C-37CBC2A466DF}" type="pres">
       <dgm:prSet presAssocID="{2B2C2012-3933-4850-9732-F76FFB518FEF}" presName="c2text" presStyleLbl="node1" presStyleIdx="1" presStyleCnt="4">
@@ -2310,13 +2233,6 @@
         </dgm:presLayoutVars>
       </dgm:prSet>
       <dgm:spPr/>
-      <dgm:t>
-        <a:bodyPr/>
-        <a:lstStyle/>
-        <a:p>
-          <a:endParaRPr lang="zh-CN" altLang="en-US"/>
-        </a:p>
-      </dgm:t>
     </dgm:pt>
     <dgm:pt modelId="{E0B34B88-E5FA-495B-94BA-390981D5F10A}" type="pres">
       <dgm:prSet presAssocID="{2B2C2012-3933-4850-9732-F76FFB518FEF}" presName="comp3" presStyleCnt="0"/>
@@ -2325,13 +2241,6 @@
     <dgm:pt modelId="{04F29630-ED55-470A-B9F8-C812E1FEE4DA}" type="pres">
       <dgm:prSet presAssocID="{2B2C2012-3933-4850-9732-F76FFB518FEF}" presName="circle3" presStyleLbl="node1" presStyleIdx="2" presStyleCnt="4"/>
       <dgm:spPr/>
-      <dgm:t>
-        <a:bodyPr/>
-        <a:lstStyle/>
-        <a:p>
-          <a:endParaRPr lang="zh-CN" altLang="en-US"/>
-        </a:p>
-      </dgm:t>
     </dgm:pt>
     <dgm:pt modelId="{056F5296-3A29-4FCF-9850-BD9A6E4131C6}" type="pres">
       <dgm:prSet presAssocID="{2B2C2012-3933-4850-9732-F76FFB518FEF}" presName="c3text" presStyleLbl="node1" presStyleIdx="2" presStyleCnt="4">
@@ -2340,13 +2249,6 @@
         </dgm:presLayoutVars>
       </dgm:prSet>
       <dgm:spPr/>
-      <dgm:t>
-        <a:bodyPr/>
-        <a:lstStyle/>
-        <a:p>
-          <a:endParaRPr lang="zh-CN" altLang="en-US"/>
-        </a:p>
-      </dgm:t>
     </dgm:pt>
     <dgm:pt modelId="{FF1B7021-79BF-4B8F-8B54-773170148DF1}" type="pres">
       <dgm:prSet presAssocID="{2B2C2012-3933-4850-9732-F76FFB518FEF}" presName="comp4" presStyleCnt="0"/>
@@ -2355,13 +2257,6 @@
     <dgm:pt modelId="{571527A5-6013-4F04-A92A-AD99C0058CE4}" type="pres">
       <dgm:prSet presAssocID="{2B2C2012-3933-4850-9732-F76FFB518FEF}" presName="circle4" presStyleLbl="node1" presStyleIdx="3" presStyleCnt="4"/>
       <dgm:spPr/>
-      <dgm:t>
-        <a:bodyPr/>
-        <a:lstStyle/>
-        <a:p>
-          <a:endParaRPr lang="zh-CN" altLang="en-US"/>
-        </a:p>
-      </dgm:t>
     </dgm:pt>
     <dgm:pt modelId="{BA67D834-C047-4CBD-89DD-2E318CC5E3F8}" type="pres">
       <dgm:prSet presAssocID="{2B2C2012-3933-4850-9732-F76FFB518FEF}" presName="c4text" presStyleLbl="node1" presStyleIdx="3" presStyleCnt="4">
@@ -2370,29 +2265,22 @@
         </dgm:presLayoutVars>
       </dgm:prSet>
       <dgm:spPr/>
-      <dgm:t>
-        <a:bodyPr/>
-        <a:lstStyle/>
-        <a:p>
-          <a:endParaRPr lang="zh-CN" altLang="en-US"/>
-        </a:p>
-      </dgm:t>
     </dgm:pt>
   </dgm:ptLst>
   <dgm:cxnLst>
+    <dgm:cxn modelId="{63CBA343-A2D2-43AD-B397-F49B90BB08FC}" type="presOf" srcId="{379E657A-D85A-4FFE-BACE-CD4BB3B51E61}" destId="{056F5296-3A29-4FCF-9850-BD9A6E4131C6}" srcOrd="1" destOrd="0" presId="urn:microsoft.com/office/officeart/2005/8/layout/venn2"/>
+    <dgm:cxn modelId="{1CD72D53-0F28-449C-BCF3-86FDD14E325A}" type="presOf" srcId="{F93D7A4A-03F3-4436-8172-6057E7C002C4}" destId="{118556B2-FF3A-4D6C-890A-3459897F6B6B}" srcOrd="0" destOrd="0" presId="urn:microsoft.com/office/officeart/2005/8/layout/venn2"/>
+    <dgm:cxn modelId="{7A219D75-F072-4FF1-86DB-17B4432B598A}" srcId="{2B2C2012-3933-4850-9732-F76FFB518FEF}" destId="{F93D7A4A-03F3-4436-8172-6057E7C002C4}" srcOrd="1" destOrd="0" parTransId="{7B21DDD1-2E54-4871-BAA5-94C4C18E069A}" sibTransId="{B550384B-A27F-4CC1-8EBA-EB195ACFB81B}"/>
+    <dgm:cxn modelId="{83B8A175-8449-443D-ABC5-4418817190B0}" srcId="{2B2C2012-3933-4850-9732-F76FFB518FEF}" destId="{19C9ED82-B5E7-44E2-92D6-22E06E3E3B33}" srcOrd="3" destOrd="0" parTransId="{212805E7-32D6-4F7C-A1EB-E25B6E16E0FB}" sibTransId="{FF509EC3-D158-4175-9039-39DD719D7A20}"/>
+    <dgm:cxn modelId="{A3C57258-1E42-4CA7-A08C-3BBD834FFBC5}" type="presOf" srcId="{19C9ED82-B5E7-44E2-92D6-22E06E3E3B33}" destId="{BA67D834-C047-4CBD-89DD-2E318CC5E3F8}" srcOrd="1" destOrd="0" presId="urn:microsoft.com/office/officeart/2005/8/layout/venn2"/>
+    <dgm:cxn modelId="{19C39379-C402-4583-B68A-A957A425ECFE}" srcId="{2B2C2012-3933-4850-9732-F76FFB518FEF}" destId="{379E657A-D85A-4FFE-BACE-CD4BB3B51E61}" srcOrd="2" destOrd="0" parTransId="{87DEA14D-5EA2-46EB-B13D-55EF641E959E}" sibTransId="{105C9FC8-D8F3-4720-A991-6A469643CC51}"/>
+    <dgm:cxn modelId="{7A245291-BC55-4788-B284-C4FA68471F03}" type="presOf" srcId="{073CF3BB-7534-4456-9F3E-14169E926C9C}" destId="{9BF17D99-8E48-4912-8BAD-6389E8603157}" srcOrd="1" destOrd="0" presId="urn:microsoft.com/office/officeart/2005/8/layout/venn2"/>
+    <dgm:cxn modelId="{53C62FB0-BF3D-4649-BA4B-6C4F0B46CEF8}" type="presOf" srcId="{073CF3BB-7534-4456-9F3E-14169E926C9C}" destId="{81DD0A31-2D50-41F7-A78E-FDCD3ACB94FB}" srcOrd="0" destOrd="0" presId="urn:microsoft.com/office/officeart/2005/8/layout/venn2"/>
+    <dgm:cxn modelId="{314F69B4-810A-4927-9EF6-EE42B2581F91}" type="presOf" srcId="{379E657A-D85A-4FFE-BACE-CD4BB3B51E61}" destId="{04F29630-ED55-470A-B9F8-C812E1FEE4DA}" srcOrd="0" destOrd="0" presId="urn:microsoft.com/office/officeart/2005/8/layout/venn2"/>
+    <dgm:cxn modelId="{6E1DEEB6-298F-4441-A47A-39571A5BFF81}" type="presOf" srcId="{19C9ED82-B5E7-44E2-92D6-22E06E3E3B33}" destId="{571527A5-6013-4F04-A92A-AD99C0058CE4}" srcOrd="0" destOrd="0" presId="urn:microsoft.com/office/officeart/2005/8/layout/venn2"/>
+    <dgm:cxn modelId="{20D2B4E9-C1A0-4D15-9870-345B319229DC}" srcId="{2B2C2012-3933-4850-9732-F76FFB518FEF}" destId="{073CF3BB-7534-4456-9F3E-14169E926C9C}" srcOrd="0" destOrd="0" parTransId="{67B74D90-64E3-49BD-8FAC-16322425F8E4}" sibTransId="{B814B41E-B479-4F9E-8000-B27304AD67C2}"/>
+    <dgm:cxn modelId="{24299EF6-CDF5-401F-ABC9-8EAEE9D25D79}" type="presOf" srcId="{2B2C2012-3933-4850-9732-F76FFB518FEF}" destId="{4880489C-03ED-4DD9-A74F-D31D3EE027C3}" srcOrd="0" destOrd="0" presId="urn:microsoft.com/office/officeart/2005/8/layout/venn2"/>
     <dgm:cxn modelId="{484880FB-9A06-49BA-828B-19F60BF9F770}" type="presOf" srcId="{F93D7A4A-03F3-4436-8172-6057E7C002C4}" destId="{4E2762F2-C611-4C91-A53C-37CBC2A466DF}" srcOrd="1" destOrd="0" presId="urn:microsoft.com/office/officeart/2005/8/layout/venn2"/>
-    <dgm:cxn modelId="{7A245291-BC55-4788-B284-C4FA68471F03}" type="presOf" srcId="{073CF3BB-7534-4456-9F3E-14169E926C9C}" destId="{9BF17D99-8E48-4912-8BAD-6389E8603157}" srcOrd="1" destOrd="0" presId="urn:microsoft.com/office/officeart/2005/8/layout/venn2"/>
-    <dgm:cxn modelId="{6E1DEEB6-298F-4441-A47A-39571A5BFF81}" type="presOf" srcId="{19C9ED82-B5E7-44E2-92D6-22E06E3E3B33}" destId="{571527A5-6013-4F04-A92A-AD99C0058CE4}" srcOrd="0" destOrd="0" presId="urn:microsoft.com/office/officeart/2005/8/layout/venn2"/>
-    <dgm:cxn modelId="{63CBA343-A2D2-43AD-B397-F49B90BB08FC}" type="presOf" srcId="{379E657A-D85A-4FFE-BACE-CD4BB3B51E61}" destId="{056F5296-3A29-4FCF-9850-BD9A6E4131C6}" srcOrd="1" destOrd="0" presId="urn:microsoft.com/office/officeart/2005/8/layout/venn2"/>
-    <dgm:cxn modelId="{19C39379-C402-4583-B68A-A957A425ECFE}" srcId="{2B2C2012-3933-4850-9732-F76FFB518FEF}" destId="{379E657A-D85A-4FFE-BACE-CD4BB3B51E61}" srcOrd="2" destOrd="0" parTransId="{87DEA14D-5EA2-46EB-B13D-55EF641E959E}" sibTransId="{105C9FC8-D8F3-4720-A991-6A469643CC51}"/>
-    <dgm:cxn modelId="{24299EF6-CDF5-401F-ABC9-8EAEE9D25D79}" type="presOf" srcId="{2B2C2012-3933-4850-9732-F76FFB518FEF}" destId="{4880489C-03ED-4DD9-A74F-D31D3EE027C3}" srcOrd="0" destOrd="0" presId="urn:microsoft.com/office/officeart/2005/8/layout/venn2"/>
-    <dgm:cxn modelId="{314F69B4-810A-4927-9EF6-EE42B2581F91}" type="presOf" srcId="{379E657A-D85A-4FFE-BACE-CD4BB3B51E61}" destId="{04F29630-ED55-470A-B9F8-C812E1FEE4DA}" srcOrd="0" destOrd="0" presId="urn:microsoft.com/office/officeart/2005/8/layout/venn2"/>
-    <dgm:cxn modelId="{20D2B4E9-C1A0-4D15-9870-345B319229DC}" srcId="{2B2C2012-3933-4850-9732-F76FFB518FEF}" destId="{073CF3BB-7534-4456-9F3E-14169E926C9C}" srcOrd="0" destOrd="0" parTransId="{67B74D90-64E3-49BD-8FAC-16322425F8E4}" sibTransId="{B814B41E-B479-4F9E-8000-B27304AD67C2}"/>
-    <dgm:cxn modelId="{1CD72D53-0F28-449C-BCF3-86FDD14E325A}" type="presOf" srcId="{F93D7A4A-03F3-4436-8172-6057E7C002C4}" destId="{118556B2-FF3A-4D6C-890A-3459897F6B6B}" srcOrd="0" destOrd="0" presId="urn:microsoft.com/office/officeart/2005/8/layout/venn2"/>
-    <dgm:cxn modelId="{A3C57258-1E42-4CA7-A08C-3BBD834FFBC5}" type="presOf" srcId="{19C9ED82-B5E7-44E2-92D6-22E06E3E3B33}" destId="{BA67D834-C047-4CBD-89DD-2E318CC5E3F8}" srcOrd="1" destOrd="0" presId="urn:microsoft.com/office/officeart/2005/8/layout/venn2"/>
-    <dgm:cxn modelId="{7A219D75-F072-4FF1-86DB-17B4432B598A}" srcId="{2B2C2012-3933-4850-9732-F76FFB518FEF}" destId="{F93D7A4A-03F3-4436-8172-6057E7C002C4}" srcOrd="1" destOrd="0" parTransId="{7B21DDD1-2E54-4871-BAA5-94C4C18E069A}" sibTransId="{B550384B-A27F-4CC1-8EBA-EB195ACFB81B}"/>
-    <dgm:cxn modelId="{53C62FB0-BF3D-4649-BA4B-6C4F0B46CEF8}" type="presOf" srcId="{073CF3BB-7534-4456-9F3E-14169E926C9C}" destId="{81DD0A31-2D50-41F7-A78E-FDCD3ACB94FB}" srcOrd="0" destOrd="0" presId="urn:microsoft.com/office/officeart/2005/8/layout/venn2"/>
-    <dgm:cxn modelId="{83B8A175-8449-443D-ABC5-4418817190B0}" srcId="{2B2C2012-3933-4850-9732-F76FFB518FEF}" destId="{19C9ED82-B5E7-44E2-92D6-22E06E3E3B33}" srcOrd="3" destOrd="0" parTransId="{212805E7-32D6-4F7C-A1EB-E25B6E16E0FB}" sibTransId="{FF509EC3-D158-4175-9039-39DD719D7A20}"/>
     <dgm:cxn modelId="{F0ECD818-539E-423A-9DB5-3C5A2935DA54}" type="presParOf" srcId="{4880489C-03ED-4DD9-A74F-D31D3EE027C3}" destId="{1EC8BC0D-BD2A-4F37-B022-160194C8A62D}" srcOrd="0" destOrd="0" presId="urn:microsoft.com/office/officeart/2005/8/layout/venn2"/>
     <dgm:cxn modelId="{BC3DB8AB-68AD-4502-9D8C-9B3056095EB9}" type="presParOf" srcId="{1EC8BC0D-BD2A-4F37-B022-160194C8A62D}" destId="{81DD0A31-2D50-41F7-A78E-FDCD3ACB94FB}" srcOrd="0" destOrd="0" presId="urn:microsoft.com/office/officeart/2005/8/layout/venn2"/>
     <dgm:cxn modelId="{B665860A-96EA-450B-BABD-3B46CDA01EF1}" type="presParOf" srcId="{1EC8BC0D-BD2A-4F37-B022-160194C8A62D}" destId="{9BF17D99-8E48-4912-8BAD-6389E8603157}" srcOrd="1" destOrd="0" presId="urn:microsoft.com/office/officeart/2005/8/layout/venn2"/>
@@ -2951,7 +2839,7 @@
         </a:bodyPr>
         <a:lstStyle/>
         <a:p>
-          <a:pPr lvl="0" algn="r" defTabSz="1244600">
+          <a:pPr marL="0" lvl="0" indent="0" algn="r" defTabSz="1244600">
             <a:lnSpc>
               <a:spcPct val="90000"/>
             </a:lnSpc>
@@ -2961,6 +2849,7 @@
             <a:spcAft>
               <a:spcPct val="35000"/>
             </a:spcAft>
+            <a:buNone/>
           </a:pPr>
           <a:endParaRPr lang="zh-CN" altLang="en-US" sz="2800" kern="1200"/>
         </a:p>
@@ -3017,7 +2906,7 @@
         </a:bodyPr>
         <a:lstStyle/>
         <a:p>
-          <a:pPr lvl="0" algn="l" defTabSz="1155700">
+          <a:pPr marL="0" lvl="0" indent="0" algn="l" defTabSz="1155700">
             <a:lnSpc>
               <a:spcPct val="90000"/>
             </a:lnSpc>
@@ -3027,6 +2916,7 @@
             <a:spcAft>
               <a:spcPct val="35000"/>
             </a:spcAft>
+            <a:buNone/>
           </a:pPr>
           <a:endParaRPr lang="zh-CN" altLang="en-US" sz="2600" kern="1200"/>
         </a:p>
@@ -3083,7 +2973,7 @@
         </a:bodyPr>
         <a:lstStyle/>
         <a:p>
-          <a:pPr lvl="0" algn="l" defTabSz="1466850">
+          <a:pPr marL="0" lvl="0" indent="0" algn="l" defTabSz="1466850">
             <a:lnSpc>
               <a:spcPct val="90000"/>
             </a:lnSpc>
@@ -3093,6 +2983,7 @@
             <a:spcAft>
               <a:spcPct val="35000"/>
             </a:spcAft>
+            <a:buNone/>
           </a:pPr>
           <a:endParaRPr lang="zh-CN" altLang="en-US" sz="3300" kern="1200"/>
         </a:p>
@@ -3170,7 +3061,7 @@
         </a:bodyPr>
         <a:lstStyle/>
         <a:p>
-          <a:pPr lvl="0" algn="ctr" defTabSz="711200">
+          <a:pPr marL="0" lvl="0" indent="0" algn="ctr" defTabSz="711200">
             <a:lnSpc>
               <a:spcPct val="90000"/>
             </a:lnSpc>
@@ -3180,6 +3071,7 @@
             <a:spcAft>
               <a:spcPct val="35000"/>
             </a:spcAft>
+            <a:buNone/>
           </a:pPr>
           <a:r>
             <a:rPr lang="zh-CN" altLang="en-US" sz="1600" kern="1200"/>
@@ -3248,7 +3140,7 @@
         </a:bodyPr>
         <a:lstStyle/>
         <a:p>
-          <a:pPr lvl="0" algn="ctr" defTabSz="711200">
+          <a:pPr marL="0" lvl="0" indent="0" algn="ctr" defTabSz="711200">
             <a:lnSpc>
               <a:spcPct val="90000"/>
             </a:lnSpc>
@@ -3258,6 +3150,7 @@
             <a:spcAft>
               <a:spcPct val="35000"/>
             </a:spcAft>
+            <a:buNone/>
           </a:pPr>
           <a:r>
             <a:rPr lang="zh-CN" altLang="en-US" sz="1600" kern="1200"/>
@@ -3326,7 +3219,7 @@
         </a:bodyPr>
         <a:lstStyle/>
         <a:p>
-          <a:pPr lvl="0" algn="ctr" defTabSz="711200">
+          <a:pPr marL="0" lvl="0" indent="0" algn="ctr" defTabSz="711200">
             <a:lnSpc>
               <a:spcPct val="90000"/>
             </a:lnSpc>
@@ -3336,6 +3229,7 @@
             <a:spcAft>
               <a:spcPct val="35000"/>
             </a:spcAft>
+            <a:buNone/>
           </a:pPr>
           <a:r>
             <a:rPr lang="zh-CN" altLang="en-US" sz="1600" kern="1200"/>
@@ -3404,7 +3298,7 @@
         </a:bodyPr>
         <a:lstStyle/>
         <a:p>
-          <a:pPr lvl="0" algn="ctr" defTabSz="711200">
+          <a:pPr marL="0" lvl="0" indent="0" algn="ctr" defTabSz="711200">
             <a:lnSpc>
               <a:spcPct val="90000"/>
             </a:lnSpc>
@@ -3414,6 +3308,7 @@
             <a:spcAft>
               <a:spcPct val="35000"/>
             </a:spcAft>
+            <a:buNone/>
           </a:pPr>
           <a:r>
             <a:rPr lang="zh-CN" altLang="en-US" sz="1600" kern="1200"/>
@@ -8408,7 +8303,7 @@
                 <a:latin typeface="微软雅黑" panose="020B0503020204020204" pitchFamily="34" charset="-122"/>
                 <a:ea typeface="微软雅黑" panose="020B0503020204020204" pitchFamily="34" charset="-122"/>
               </a:rPr>
-              <a:t>2019年3月21日</a:t>
+              <a:t>2019年6月29日</a:t>
             </a:fld>
             <a:endParaRPr lang="zh-CN" altLang="en-US" dirty="0">
               <a:latin typeface="微软雅黑" panose="020B0503020204020204" pitchFamily="34" charset="-122"/>
@@ -8600,7 +8495,7 @@
             <a:fld id="{07D6BDDC-F39A-4E16-93D6-E40B88AA6D58}" type="datetime2">
               <a:rPr lang="zh-CN" altLang="en-US" smtClean="0"/>
               <a:pPr/>
-              <a:t>2019年3月21日</a:t>
+              <a:t>2019年6月29日</a:t>
             </a:fld>
             <a:endParaRPr lang="zh-CN" altLang="en-US" dirty="0"/>
           </a:p>
@@ -9709,7 +9604,6 @@
               <a:schemeClr val="bg1"/>
             </a:solidFill>
           </a:ln>
-          <a:extLst/>
         </p:spPr>
         <p:txBody>
           <a:bodyPr vert="horz" wrap="square" lIns="121899" tIns="60949" rIns="121899" bIns="60949" numCol="1" rtlCol="0" anchor="t" anchorCtr="0" compatLnSpc="1">
@@ -9918,7 +9812,7 @@
             <a:fld id="{4947C3F0-2957-4D41-9FB7-182757A04D67}" type="datetime2">
               <a:rPr lang="zh-CN" altLang="en-US" smtClean="0"/>
               <a:pPr/>
-              <a:t>2019年3月21日</a:t>
+              <a:t>2019年6月29日</a:t>
             </a:fld>
             <a:endParaRPr lang="zh-CN" altLang="en-US" dirty="0"/>
           </a:p>
@@ -10151,7 +10045,7 @@
             <a:fld id="{8DF8E148-EC1F-43A2-8C9E-1F57F6D08A76}" type="datetime2">
               <a:rPr lang="zh-CN" altLang="en-US" smtClean="0"/>
               <a:pPr/>
-              <a:t>2019年3月21日</a:t>
+              <a:t>2019年6月29日</a:t>
             </a:fld>
             <a:endParaRPr lang="zh-CN" altLang="en-US" dirty="0"/>
           </a:p>
@@ -10832,7 +10726,6 @@
           <a:ln>
             <a:noFill/>
           </a:ln>
-          <a:extLst/>
         </p:spPr>
         <p:txBody>
           <a:bodyPr vert="horz" wrap="square" lIns="91440" tIns="45720" rIns="91440" bIns="45720" numCol="1" rtlCol="0" anchor="t" anchorCtr="0" compatLnSpc="1">
@@ -11034,7 +10927,7 @@
             <a:fld id="{FB7B4C11-1E14-4887-9E78-A9346EC068F1}" type="datetime2">
               <a:rPr lang="zh-CN" altLang="en-US" smtClean="0"/>
               <a:pPr/>
-              <a:t>2019年3月21日</a:t>
+              <a:t>2019年6月29日</a:t>
             </a:fld>
             <a:endParaRPr lang="zh-CN" altLang="en-US" dirty="0"/>
           </a:p>
@@ -11293,7 +11186,7 @@
             <a:fld id="{86FD5D46-E987-42B2-B42C-B8920598FADE}" type="datetime2">
               <a:rPr lang="zh-CN" altLang="en-US" smtClean="0"/>
               <a:pPr/>
-              <a:t>2019年3月21日</a:t>
+              <a:t>2019年6月29日</a:t>
             </a:fld>
             <a:endParaRPr lang="zh-CN" altLang="en-US" dirty="0"/>
           </a:p>
@@ -12003,7 +11896,6 @@
               <a:schemeClr val="bg1"/>
             </a:solidFill>
           </a:ln>
-          <a:extLst/>
         </p:spPr>
         <p:txBody>
           <a:bodyPr vert="horz" wrap="square" lIns="121899" tIns="60949" rIns="121899" bIns="60949" numCol="1" rtlCol="0" anchor="t" anchorCtr="0" compatLnSpc="1">
@@ -12620,7 +12512,7 @@
             <a:fld id="{8365F240-A7EF-41C8-A85B-C448CF84B5E5}" type="datetime2">
               <a:rPr lang="zh-CN" altLang="en-US" smtClean="0"/>
               <a:pPr/>
-              <a:t>2019年3月21日</a:t>
+              <a:t>2019年6月29日</a:t>
             </a:fld>
             <a:endParaRPr lang="zh-CN" altLang="en-US" dirty="0"/>
           </a:p>
@@ -12955,7 +12847,7 @@
             <a:fld id="{F770B30E-8728-44DB-AEE3-E4A75AEDBBD9}" type="datetime2">
               <a:rPr lang="zh-CN" altLang="en-US" smtClean="0"/>
               <a:pPr/>
-              <a:t>2019年3月21日</a:t>
+              <a:t>2019年6月29日</a:t>
             </a:fld>
             <a:endParaRPr lang="zh-CN" altLang="en-US" dirty="0"/>
           </a:p>
@@ -13456,7 +13348,7 @@
             <a:fld id="{680BCF82-A51A-4389-A573-378AD02C5141}" type="datetime2">
               <a:rPr lang="zh-CN" altLang="en-US" smtClean="0"/>
               <a:pPr/>
-              <a:t>2019年3月21日</a:t>
+              <a:t>2019年6月29日</a:t>
             </a:fld>
             <a:endParaRPr lang="zh-CN" altLang="en-US" dirty="0"/>
           </a:p>
@@ -13611,7 +13503,7 @@
             <a:fld id="{CE03A716-E3DC-4D9D-823C-60FCD8C9B163}" type="datetime2">
               <a:rPr lang="zh-CN" altLang="en-US" smtClean="0"/>
               <a:pPr/>
-              <a:t>2019年3月21日</a:t>
+              <a:t>2019年6月29日</a:t>
             </a:fld>
             <a:endParaRPr lang="zh-CN" altLang="en-US" dirty="0"/>
           </a:p>
@@ -13971,7 +13863,7 @@
             <a:fld id="{C16B8A94-44E5-4844-A22C-F796FCAA90D9}" type="datetime2">
               <a:rPr lang="zh-CN" altLang="en-US" smtClean="0"/>
               <a:pPr/>
-              <a:t>2019年3月21日</a:t>
+              <a:t>2019年6月29日</a:t>
             </a:fld>
             <a:endParaRPr lang="zh-CN" altLang="en-US" dirty="0"/>
           </a:p>
@@ -14513,7 +14405,7 @@
             <a:fld id="{F288B2AC-AC0A-4E49-82A3-94EE74FA7FBF}" type="datetime2">
               <a:rPr lang="zh-CN" altLang="en-US" smtClean="0"/>
               <a:pPr/>
-              <a:t>2019年3月21日</a:t>
+              <a:t>2019年6月29日</a:t>
             </a:fld>
             <a:endParaRPr lang="zh-CN" altLang="en-US" dirty="0"/>
           </a:p>
@@ -14999,7 +14891,7 @@
             <a:fld id="{1878E339-1BD2-4FEE-A113-9A0301740CF6}" type="datetime2">
               <a:rPr lang="zh-CN" altLang="en-US" smtClean="0"/>
               <a:pPr/>
-              <a:t>2019年3月21日</a:t>
+              <a:t>2019年6月29日</a:t>
             </a:fld>
             <a:endParaRPr lang="zh-CN" altLang="en-US" dirty="0"/>
           </a:p>
@@ -15740,7 +15632,6 @@
           <a:ln>
             <a:noFill/>
           </a:ln>
-          <a:extLst/>
         </p:spPr>
         <p:txBody>
           <a:bodyPr vert="horz" wrap="square" lIns="91440" tIns="45720" rIns="91440" bIns="45720" numCol="1" rtlCol="0" anchor="t" anchorCtr="0" compatLnSpc="1">
@@ -15923,7 +15814,7 @@
             <a:fld id="{A339CB27-C670-4AAB-948C-7E3D1D9FAE30}" type="datetime2">
               <a:rPr lang="zh-CN" altLang="en-US" smtClean="0"/>
               <a:pPr/>
-              <a:t>2019年3月21日</a:t>
+              <a:t>2019年6月29日</a:t>
             </a:fld>
             <a:endParaRPr lang="zh-CN" altLang="en-US" dirty="0"/>
           </a:p>
@@ -16327,7 +16218,7 @@
       </a:lvl9pPr>
     </p:otherStyle>
   </p:txStyles>
-  <p:extLst mod="1">
+  <p:extLst>
     <p:ext uri="{27BBF7A9-308A-43DC-89C8-2F10F3537804}">
       <p15:sldGuideLst xmlns:p15="http://schemas.microsoft.com/office/powerpoint/2012/main">
         <p15:guide id="1" orient="horz" pos="2160" userDrawn="1">
@@ -16481,7 +16372,7 @@
           <a:graphicData uri="http://schemas.openxmlformats.org/presentationml/2006/ole">
             <mc:AlternateContent xmlns:mc="http://schemas.openxmlformats.org/markup-compatibility/2006">
               <mc:Choice xmlns:v="urn:schemas-microsoft-com:vml" Requires="v">
-                <p:oleObj spid="_x0000_s3125" name="Visio" r:id="rId3" imgW="3619565" imgH="1531656" progId="Visio.Drawing.11">
+                <p:oleObj spid="_x0000_s3126" name="Visio" r:id="rId3" imgW="3619565" imgH="1531656" progId="Visio.Drawing.11">
                   <p:embed/>
                 </p:oleObj>
               </mc:Choice>
@@ -16713,10 +16604,9 @@
           <a:lstStyle/>
           <a:p>
             <a:r>
-              <a:rPr lang="zh-CN" altLang="en-US" smtClean="0"/>
+              <a:rPr lang="zh-CN" altLang="en-US"/>
               <a:t>反馈回路</a:t>
             </a:r>
-            <a:endParaRPr lang="zh-CN" altLang="en-US"/>
           </a:p>
         </p:txBody>
       </p:sp>
@@ -16791,7 +16681,7 @@
           <a:graphicData uri="http://schemas.openxmlformats.org/presentationml/2006/ole">
             <mc:AlternateContent xmlns:mc="http://schemas.openxmlformats.org/markup-compatibility/2006">
               <mc:Choice xmlns:v="urn:schemas-microsoft-com:vml" Requires="v">
-                <p:oleObj spid="_x0000_s4146" name="Visio" r:id="rId3" imgW="2917698" imgH="1477670" progId="Visio.Drawing.11">
+                <p:oleObj spid="_x0000_s4147" name="Visio" r:id="rId3" imgW="2917698" imgH="1477670" progId="Visio.Drawing.11">
                   <p:embed/>
                 </p:oleObj>
               </mc:Choice>
@@ -17058,7 +16948,7 @@
           <a:lstStyle/>
           <a:p>
             <a:r>
-              <a:rPr lang="zh-CN" altLang="en-US" smtClean="0"/>
+              <a:rPr lang="zh-CN" altLang="en-US"/>
               <a:t>反馈系统</a:t>
             </a:r>
             <a:endParaRPr lang="zh-CN" altLang="en-US" dirty="0"/>
@@ -17208,13 +17098,6 @@
       </p:transition>
     </mc:Fallback>
   </mc:AlternateContent>
-  <p:timing>
-    <p:tnLst>
-      <p:par>
-        <p:cTn id="1" dur="indefinite" restart="never" nodeType="tmRoot"/>
-      </p:par>
-    </p:tnLst>
-  </p:timing>
 </p:sld>
 </file>
 
@@ -17292,48 +17175,37 @@
       </p:sp>
       <p:pic>
         <p:nvPicPr>
-          <p:cNvPr id="4" name="Picture 5" descr="]GO2P008THQZL]$``IX)39O"/>
+          <p:cNvPr id="5" name="图片 4"/>
           <p:cNvPicPr>
-            <a:picLocks noChangeAspect="1" noChangeArrowheads="1"/>
+            <a:picLocks noChangeAspect="1"/>
           </p:cNvPicPr>
           <p:nvPr/>
         </p:nvPicPr>
         <p:blipFill>
-          <a:blip r:embed="rId2">
-            <a:extLst>
-              <a:ext uri="{28A0092B-C50C-407E-A947-70E740481C1C}">
-                <a14:useLocalDpi xmlns:a14="http://schemas.microsoft.com/office/drawing/2010/main" val="0"/>
-              </a:ext>
-            </a:extLst>
-          </a:blip>
-          <a:srcRect/>
+          <a:blip r:embed="rId2"/>
           <a:stretch>
             <a:fillRect/>
           </a:stretch>
         </p:blipFill>
-        <p:spPr bwMode="auto">
+        <p:spPr>
           <a:xfrm>
-            <a:off x="7686790" y="3645024"/>
-            <a:ext cx="3705225" cy="2819400"/>
+            <a:off x="6576990" y="165160"/>
+            <a:ext cx="4830803" cy="2894062"/>
           </a:xfrm>
           <a:prstGeom prst="rect">
             <a:avLst/>
           </a:prstGeom>
-          <a:noFill/>
-          <a:extLst>
-            <a:ext uri="{909E8E84-426E-40DD-AFC4-6F175D3DCCD1}">
-              <a14:hiddenFill xmlns:a14="http://schemas.microsoft.com/office/drawing/2010/main">
-                <a:solidFill>
-                  <a:srgbClr val="FFFFFF"/>
-                </a:solidFill>
-              </a14:hiddenFill>
-            </a:ext>
-          </a:extLst>
         </p:spPr>
       </p:pic>
       <p:pic>
         <p:nvPicPr>
-          <p:cNvPr id="5" name="图片 4"/>
+          <p:cNvPr id="6" name="图片 5">
+            <a:extLst>
+              <a:ext uri="{FF2B5EF4-FFF2-40B4-BE49-F238E27FC236}">
+                <a16:creationId xmlns:a16="http://schemas.microsoft.com/office/drawing/2014/main" id="{141FE324-465E-41C4-971F-14A427590758}"/>
+              </a:ext>
+            </a:extLst>
+          </p:cNvPr>
           <p:cNvPicPr>
             <a:picLocks noChangeAspect="1"/>
           </p:cNvPicPr>
@@ -17347,8 +17219,8 @@
         </p:blipFill>
         <p:spPr>
           <a:xfrm>
-            <a:off x="6576990" y="165160"/>
-            <a:ext cx="4830803" cy="2894062"/>
+            <a:off x="6094412" y="3356992"/>
+            <a:ext cx="5102538" cy="3130721"/>
           </a:xfrm>
           <a:prstGeom prst="rect">
             <a:avLst/>
@@ -17377,13 +17249,6 @@
       </p:transition>
     </mc:Fallback>
   </mc:AlternateContent>
-  <p:timing>
-    <p:tnLst>
-      <p:par>
-        <p:cTn id="1" dur="indefinite" restart="never" nodeType="tmRoot"/>
-      </p:par>
-    </p:tnLst>
-  </p:timing>
 </p:sld>
 </file>
 
@@ -17510,13 +17375,6 @@
       </p:transition>
     </mc:Fallback>
   </mc:AlternateContent>
-  <p:timing>
-    <p:tnLst>
-      <p:par>
-        <p:cTn id="1" dur="indefinite" restart="never" nodeType="tmRoot"/>
-      </p:par>
-    </p:tnLst>
-  </p:timing>
 </p:sld>
 </file>
 
@@ -17643,13 +17501,6 @@
       </p:transition>
     </mc:Fallback>
   </mc:AlternateContent>
-  <p:timing>
-    <p:tnLst>
-      <p:par>
-        <p:cTn id="1" dur="indefinite" restart="never" nodeType="tmRoot"/>
-      </p:par>
-    </p:tnLst>
-  </p:timing>
 </p:sld>
 </file>
 
@@ -17778,13 +17629,6 @@
       </p:transition>
     </mc:Fallback>
   </mc:AlternateContent>
-  <p:timing>
-    <p:tnLst>
-      <p:par>
-        <p:cTn id="1" dur="indefinite" restart="never" nodeType="tmRoot"/>
-      </p:par>
-    </p:tnLst>
-  </p:timing>
 </p:sld>
 </file>
 
@@ -17868,25 +17712,13 @@
             <a:pPr lvl="1"/>
             <a:r>
               <a:rPr lang="zh-CN" altLang="en-US"/>
-              <a:t>估算</a:t>
+              <a:t>估算回路的开环增益是增强型还是平衡型</a:t>
             </a:r>
-            <a:r>
-              <a:rPr lang="zh-CN" altLang="en-US" smtClean="0"/>
-              <a:t>回路</a:t>
-            </a:r>
+            <a:endParaRPr lang="en-US" altLang="zh-CN"/>
+          </a:p>
+          <a:p>
             <a:r>
               <a:rPr lang="zh-CN" altLang="en-US"/>
-              <a:t>的开环增益是增强型还是平衡</a:t>
-            </a:r>
-            <a:r>
-              <a:rPr lang="zh-CN" altLang="en-US" smtClean="0"/>
-              <a:t>型</a:t>
-            </a:r>
-            <a:endParaRPr lang="en-US" altLang="zh-CN" smtClean="0"/>
-          </a:p>
-          <a:p>
-            <a:r>
-              <a:rPr lang="zh-CN" altLang="en-US" smtClean="0"/>
               <a:t>数负因果链数量</a:t>
             </a:r>
             <a:endParaRPr lang="en-US" altLang="zh-CN"/>
@@ -17915,13 +17747,6 @@
       </p:transition>
     </mc:Fallback>
   </mc:AlternateContent>
-  <p:timing>
-    <p:tnLst>
-      <p:par>
-        <p:cTn id="1" dur="indefinite" restart="never" nodeType="tmRoot"/>
-      </p:par>
-    </p:tnLst>
-  </p:timing>
 </p:sld>
 </file>
 
@@ -18025,13 +17850,6 @@
       </p:transition>
     </mc:Fallback>
   </mc:AlternateContent>
-  <p:timing>
-    <p:tnLst>
-      <p:par>
-        <p:cTn id="1" dur="indefinite" restart="never" nodeType="tmRoot"/>
-      </p:par>
-    </p:tnLst>
-  </p:timing>
 </p:sld>
 </file>
 
@@ -18144,13 +17962,6 @@
       </p:transition>
     </mc:Fallback>
   </mc:AlternateContent>
-  <p:timing>
-    <p:tnLst>
-      <p:par>
-        <p:cTn id="1" dur="indefinite" restart="never" nodeType="tmRoot"/>
-      </p:par>
-    </p:tnLst>
-  </p:timing>
 </p:sld>
 </file>
 
@@ -18717,13 +18528,6 @@
       </p:transition>
     </mc:Fallback>
   </mc:AlternateContent>
-  <p:timing>
-    <p:tnLst>
-      <p:par>
-        <p:cTn id="1" dur="indefinite" restart="never" nodeType="tmRoot"/>
-      </p:par>
-    </p:tnLst>
-  </p:timing>
 </p:sld>
 </file>
 
@@ -19136,7 +18940,7 @@
           <a:graphicData uri="http://schemas.openxmlformats.org/presentationml/2006/ole">
             <mc:AlternateContent xmlns:mc="http://schemas.openxmlformats.org/markup-compatibility/2006">
               <mc:Choice xmlns:v="urn:schemas-microsoft-com:vml" Requires="v">
-                <p:oleObj spid="_x0000_s1077" name="Visio" r:id="rId3" imgW="1978533" imgH="790854" progId="Visio.Drawing.11">
+                <p:oleObj spid="_x0000_s1078" name="Visio" r:id="rId3" imgW="1978533" imgH="790854" progId="Visio.Drawing.11">
                   <p:embed/>
                 </p:oleObj>
               </mc:Choice>
@@ -20102,10 +19906,9 @@
           <a:lstStyle/>
           <a:p>
             <a:r>
-              <a:rPr lang="zh-CN" altLang="en-US" smtClean="0"/>
+              <a:rPr lang="zh-CN" altLang="en-US"/>
               <a:t>因果关系与相关关系</a:t>
             </a:r>
-            <a:endParaRPr lang="zh-CN" altLang="en-US"/>
           </a:p>
         </p:txBody>
       </p:sp>
@@ -20250,13 +20053,6 @@
       </p:transition>
     </mc:Fallback>
   </mc:AlternateContent>
-  <p:timing>
-    <p:tnLst>
-      <p:par>
-        <p:cTn id="1" dur="indefinite" restart="never" nodeType="tmRoot"/>
-      </p:par>
-    </p:tnLst>
-  </p:timing>
 </p:sld>
 </file>
 
@@ -20453,7 +20249,7 @@
           <a:graphicData uri="http://schemas.openxmlformats.org/presentationml/2006/ole">
             <mc:AlternateContent xmlns:mc="http://schemas.openxmlformats.org/markup-compatibility/2006">
               <mc:Choice xmlns:v="urn:schemas-microsoft-com:vml" Requires="v">
-                <p:oleObj spid="_x0000_s2102" name="Visio" r:id="rId3" imgW="1978533" imgH="803046" progId="Visio.Drawing.11">
+                <p:oleObj spid="_x0000_s2103" name="Visio" r:id="rId3" imgW="1978533" imgH="803046" progId="Visio.Drawing.11">
                   <p:embed/>
                 </p:oleObj>
               </mc:Choice>
@@ -20753,10 +20549,9 @@
           <a:lstStyle/>
           <a:p>
             <a:r>
-              <a:rPr lang="zh-CN" altLang="en-US" smtClean="0"/>
+              <a:rPr lang="zh-CN" altLang="en-US"/>
               <a:t>判断下列因果链的极性</a:t>
             </a:r>
-            <a:endParaRPr lang="zh-CN" altLang="en-US"/>
           </a:p>
         </p:txBody>
       </p:sp>
@@ -21949,29 +21744,23 @@
 
 <file path=customXml/item1.xml><?xml version="1.0" encoding="utf-8"?>
 <Control xmlns="http://schemas.microsoft.com/VisualStudio/2011/storyboarding/control">
-  <Id Name="System.Storyboarding.Common.DragSelection" Revision="1" Stencil="System.Storyboarding.Common" StencilVersion="0.1"/>
+  <Id Name="System.Storyboarding.Common.TextInput" Revision="1" Stencil="System.Storyboarding.Common" StencilVersion="0.1"/>
 </Control>
 </file>
 
 <file path=customXml/item2.xml><?xml version="1.0" encoding="utf-8"?>
 <Control xmlns="http://schemas.microsoft.com/VisualStudio/2011/storyboarding/control">
-  <Id Name="System.Storyboarding.Common.TextInput" Revision="1" Stencil="System.Storyboarding.Common" StencilVersion="0.1"/>
+  <Id Name="System.Storyboarding.Common.DragSelection" Revision="1" Stencil="System.Storyboarding.Common" StencilVersion="0.1"/>
 </Control>
 </file>
 
 <file path=customXml/item3.xml><?xml version="1.0" encoding="utf-8"?>
 <Control xmlns="http://schemas.microsoft.com/VisualStudio/2011/storyboarding/control">
-  <Id Name="System.Storyboarding.WindowsApps.WindowsAppsProgressRing" Revision="1" Stencil="System.Storyboarding.WindowsApps" StencilVersion="0.1"/>
+  <Id Name="System.Storyboarding.WindowsApps.WindowsAppsListBox" Revision="1" Stencil="System.Storyboarding.WindowsApps" StencilVersion="0.1"/>
 </Control>
 </file>
 
 <file path=customXml/item4.xml><?xml version="1.0" encoding="utf-8"?>
-<Control xmlns="http://schemas.microsoft.com/VisualStudio/2011/storyboarding/control">
-  <Id Name="System.Storyboarding.Annotation.StickyNote" Revision="1" Stencil="System.Storyboarding.Annotation" StencilVersion="0.1"/>
-</Control>
-</file>
-
-<file path=customXml/item5.xml><?xml version="1.0" encoding="utf-8"?>
 <p:properties xmlns:p="http://schemas.microsoft.com/office/2006/metadata/properties" xmlns:xsi="http://www.w3.org/2001/XMLSchema-instance" xmlns:pc="http://schemas.microsoft.com/office/infopath/2007/PartnerControls">
   <documentManagement>
     <_dlc_DocId xmlns="b4ebf394-daf6-497a-96c5-a2f8c10b38cf">TT6HZDVJM2HV-178-321</_dlc_DocId>
@@ -21983,9 +21772,15 @@
 </p:properties>
 </file>
 
+<file path=customXml/item5.xml><?xml version="1.0" encoding="utf-8"?>
+<Control xmlns="http://schemas.microsoft.com/VisualStudio/2011/storyboarding/control">
+  <Id Name="System.Storyboarding.Annotation.StickyNote" Revision="1" Stencil="System.Storyboarding.Annotation" StencilVersion="0.1"/>
+</Control>
+</file>
+
 <file path=customXml/item6.xml><?xml version="1.0" encoding="utf-8"?>
 <Control xmlns="http://schemas.microsoft.com/VisualStudio/2011/storyboarding/control">
-  <Id Name="System.Storyboarding.WindowsApps.WindowsAppsListBox" Revision="1" Stencil="System.Storyboarding.WindowsApps" StencilVersion="0.1"/>
+  <Id Name="System.Storyboarding.WindowsApps.WindowsAppsProgressRing" Revision="1" Stencil="System.Storyboarding.WindowsApps" StencilVersion="0.1"/>
 </Control>
 </file>
 
@@ -21996,6 +21791,14 @@
 </file>
 
 <file path=customXml/itemProps1.xml><?xml version="1.0" encoding="utf-8"?>
+<ds:datastoreItem xmlns:ds="http://schemas.openxmlformats.org/officeDocument/2006/customXml" ds:itemID="{195C3A57-25C5-4CAC-A396-8711CE839175}">
+  <ds:schemaRefs>
+    <ds:schemaRef ds:uri="http://schemas.microsoft.com/VisualStudio/2011/storyboarding/control"/>
+  </ds:schemaRefs>
+</ds:datastoreItem>
+</file>
+
+<file path=customXml/itemProps2.xml><?xml version="1.0" encoding="utf-8"?>
 <ds:datastoreItem xmlns:ds="http://schemas.openxmlformats.org/officeDocument/2006/customXml" ds:itemID="{74F50758-6994-47AF-ADB4-84074E43B95D}">
   <ds:schemaRefs>
     <ds:schemaRef ds:uri="http://schemas.microsoft.com/VisualStudio/2011/storyboarding/control"/>
@@ -22003,16 +21806,8 @@
 </ds:datastoreItem>
 </file>
 
-<file path=customXml/itemProps2.xml><?xml version="1.0" encoding="utf-8"?>
-<ds:datastoreItem xmlns:ds="http://schemas.openxmlformats.org/officeDocument/2006/customXml" ds:itemID="{195C3A57-25C5-4CAC-A396-8711CE839175}">
-  <ds:schemaRefs>
-    <ds:schemaRef ds:uri="http://schemas.microsoft.com/VisualStudio/2011/storyboarding/control"/>
-  </ds:schemaRefs>
-</ds:datastoreItem>
-</file>
-
 <file path=customXml/itemProps3.xml><?xml version="1.0" encoding="utf-8"?>
-<ds:datastoreItem xmlns:ds="http://schemas.openxmlformats.org/officeDocument/2006/customXml" ds:itemID="{EE994FE8-9D1B-4C75-9803-F4D3D8088B5B}">
+<ds:datastoreItem xmlns:ds="http://schemas.openxmlformats.org/officeDocument/2006/customXml" ds:itemID="{925928FA-66B2-4992-9AF7-6AAB34665E06}">
   <ds:schemaRefs>
     <ds:schemaRef ds:uri="http://schemas.microsoft.com/VisualStudio/2011/storyboarding/control"/>
   </ds:schemaRefs>
@@ -22020,14 +21815,6 @@
 </file>
 
 <file path=customXml/itemProps4.xml><?xml version="1.0" encoding="utf-8"?>
-<ds:datastoreItem xmlns:ds="http://schemas.openxmlformats.org/officeDocument/2006/customXml" ds:itemID="{35CD12A2-2187-402A-B9D9-EF68624DB0B9}">
-  <ds:schemaRefs>
-    <ds:schemaRef ds:uri="http://schemas.microsoft.com/VisualStudio/2011/storyboarding/control"/>
-  </ds:schemaRefs>
-</ds:datastoreItem>
-</file>
-
-<file path=customXml/itemProps5.xml><?xml version="1.0" encoding="utf-8"?>
 <ds:datastoreItem xmlns:ds="http://schemas.openxmlformats.org/officeDocument/2006/customXml" ds:itemID="{1322E1B6-B69B-4B1E-9F64-FFB1E4A65691}">
   <ds:schemaRefs>
     <ds:schemaRef ds:uri="http://schemas.microsoft.com/office/2006/metadata/properties"/>
@@ -22037,8 +21824,16 @@
 </ds:datastoreItem>
 </file>
 
+<file path=customXml/itemProps5.xml><?xml version="1.0" encoding="utf-8"?>
+<ds:datastoreItem xmlns:ds="http://schemas.openxmlformats.org/officeDocument/2006/customXml" ds:itemID="{35CD12A2-2187-402A-B9D9-EF68624DB0B9}">
+  <ds:schemaRefs>
+    <ds:schemaRef ds:uri="http://schemas.microsoft.com/VisualStudio/2011/storyboarding/control"/>
+  </ds:schemaRefs>
+</ds:datastoreItem>
+</file>
+
 <file path=customXml/itemProps6.xml><?xml version="1.0" encoding="utf-8"?>
-<ds:datastoreItem xmlns:ds="http://schemas.openxmlformats.org/officeDocument/2006/customXml" ds:itemID="{925928FA-66B2-4992-9AF7-6AAB34665E06}">
+<ds:datastoreItem xmlns:ds="http://schemas.openxmlformats.org/officeDocument/2006/customXml" ds:itemID="{EE994FE8-9D1B-4C75-9803-F4D3D8088B5B}">
   <ds:schemaRefs>
     <ds:schemaRef ds:uri="http://schemas.microsoft.com/VisualStudio/2011/storyboarding/control"/>
   </ds:schemaRefs>
